--- a/TA bab 1-4/PENGEMBANGAN BOT PADA GAME GANG GARRISON 2 DENGAN.pptx
+++ b/TA bab 1-4/PENGEMBANGAN BOT PADA GAME GANG GARRISON 2 DENGAN.pptx
@@ -7,8 +7,8 @@
   <p:sldIdLst>
     <p:sldId id="256" r:id="rId2"/>
     <p:sldId id="257" r:id="rId3"/>
-    <p:sldId id="258" r:id="rId4"/>
-    <p:sldId id="259" r:id="rId5"/>
+    <p:sldId id="259" r:id="rId4"/>
+    <p:sldId id="258" r:id="rId5"/>
     <p:sldId id="260" r:id="rId6"/>
     <p:sldId id="261" r:id="rId7"/>
     <p:sldId id="262" r:id="rId8"/>
@@ -252,31 +252,31 @@
                   <c:v>15.492957746478902</c:v>
                 </c:pt>
                 <c:pt idx="1">
-                  <c:v>19.780219780219692</c:v>
+                  <c:v>19.780219780219689</c:v>
                 </c:pt>
                 <c:pt idx="2">
-                  <c:v>30.10752688172024</c:v>
+                  <c:v>30.107526881720233</c:v>
                 </c:pt>
                 <c:pt idx="3">
-                  <c:v>32.911392405063033</c:v>
+                  <c:v>32.911392405063019</c:v>
                 </c:pt>
                 <c:pt idx="4">
-                  <c:v>21.428571428571292</c:v>
+                  <c:v>21.428571428571288</c:v>
                 </c:pt>
                 <c:pt idx="5">
                   <c:v>20</c:v>
                 </c:pt>
                 <c:pt idx="6">
-                  <c:v>24.705882352941096</c:v>
+                  <c:v>24.705882352941092</c:v>
                 </c:pt>
                 <c:pt idx="7">
-                  <c:v>21.951219512194996</c:v>
+                  <c:v>21.951219512194992</c:v>
                 </c:pt>
                 <c:pt idx="8">
                   <c:v>18.571428571428587</c:v>
                 </c:pt>
                 <c:pt idx="9">
-                  <c:v>11.428571428571342</c:v>
+                  <c:v>11.42857142857134</c:v>
                 </c:pt>
               </c:numCache>
             </c:numRef>
@@ -469,7 +469,7 @@
                 <c:formatCode>General</c:formatCode>
                 <c:ptCount val="10"/>
                 <c:pt idx="0">
-                  <c:v>29.268292682926596</c:v>
+                  <c:v>29.268292682926589</c:v>
                 </c:pt>
                 <c:pt idx="1">
                   <c:v>32</c:v>
@@ -478,13 +478,13 @@
                   <c:v>6.6666666666666696</c:v>
                 </c:pt>
                 <c:pt idx="3">
-                  <c:v>31.868131868131766</c:v>
+                  <c:v>31.868131868131762</c:v>
                 </c:pt>
                 <c:pt idx="4">
                   <c:v>34.042553191489411</c:v>
                 </c:pt>
                 <c:pt idx="5">
-                  <c:v>32.6732673267325</c:v>
+                  <c:v>32.673267326732493</c:v>
                 </c:pt>
                 <c:pt idx="6">
                   <c:v>32</c:v>
@@ -508,11 +508,11 @@
           </c:extLst>
         </c:ser>
         <c:marker val="1"/>
-        <c:axId val="72516352"/>
-        <c:axId val="72519040"/>
+        <c:axId val="61512704"/>
+        <c:axId val="63767680"/>
       </c:lineChart>
       <c:catAx>
-        <c:axId val="72516352"/>
+        <c:axId val="61512704"/>
         <c:scaling>
           <c:orientation val="minMax"/>
         </c:scaling>
@@ -593,14 +593,14 @@
             <a:endParaRPr lang="en-US"/>
           </a:p>
         </c:txPr>
-        <c:crossAx val="72519040"/>
+        <c:crossAx val="63767680"/>
         <c:crosses val="autoZero"/>
         <c:auto val="1"/>
         <c:lblAlgn val="ctr"/>
         <c:lblOffset val="100"/>
       </c:catAx>
       <c:valAx>
-        <c:axId val="72519040"/>
+        <c:axId val="63767680"/>
         <c:scaling>
           <c:orientation val="minMax"/>
         </c:scaling>
@@ -689,7 +689,7 @@
             <a:endParaRPr lang="en-US"/>
           </a:p>
         </c:txPr>
-        <c:crossAx val="72516352"/>
+        <c:crossAx val="61512704"/>
         <c:crosses val="autoZero"/>
         <c:crossBetween val="between"/>
       </c:valAx>
@@ -919,11 +919,11 @@
           </c:val>
         </c:ser>
         <c:marker val="1"/>
-        <c:axId val="63610240"/>
-        <c:axId val="65345408"/>
+        <c:axId val="65572224"/>
+        <c:axId val="65590784"/>
       </c:lineChart>
       <c:catAx>
-        <c:axId val="63610240"/>
+        <c:axId val="65572224"/>
         <c:scaling>
           <c:orientation val="minMax"/>
         </c:scaling>
@@ -948,14 +948,14 @@
         </c:title>
         <c:majorTickMark val="none"/>
         <c:tickLblPos val="nextTo"/>
-        <c:crossAx val="65345408"/>
+        <c:crossAx val="65590784"/>
         <c:crosses val="autoZero"/>
         <c:auto val="1"/>
         <c:lblAlgn val="ctr"/>
         <c:lblOffset val="100"/>
       </c:catAx>
       <c:valAx>
-        <c:axId val="65345408"/>
+        <c:axId val="65590784"/>
         <c:scaling>
           <c:orientation val="minMax"/>
         </c:scaling>
@@ -982,7 +982,7 @@
         <c:numFmt formatCode="General" sourceLinked="1"/>
         <c:majorTickMark val="none"/>
         <c:tickLblPos val="nextTo"/>
-        <c:crossAx val="63610240"/>
+        <c:crossAx val="65572224"/>
         <c:crosses val="autoZero"/>
         <c:crossBetween val="between"/>
       </c:valAx>
@@ -1138,22 +1138,22 @@
                   <c:v>20.481927710843401</c:v>
                 </c:pt>
                 <c:pt idx="4">
-                  <c:v>28.205128205128069</c:v>
+                  <c:v>28.205128205128066</c:v>
                 </c:pt>
                 <c:pt idx="5">
                   <c:v>28.571428571428587</c:v>
                 </c:pt>
                 <c:pt idx="6">
-                  <c:v>16.455696202531396</c:v>
+                  <c:v>16.455696202531385</c:v>
                 </c:pt>
                 <c:pt idx="7">
-                  <c:v>25.714285714285815</c:v>
+                  <c:v>25.714285714285818</c:v>
                 </c:pt>
                 <c:pt idx="8">
                   <c:v>31.645569620253202</c:v>
                 </c:pt>
                 <c:pt idx="9">
-                  <c:v>20.224719101123469</c:v>
+                  <c:v>20.224719101123465</c:v>
                 </c:pt>
               </c:numCache>
             </c:numRef>
@@ -1349,7 +1349,7 @@
                   <c:v>35.064935064935113</c:v>
                 </c:pt>
                 <c:pt idx="1">
-                  <c:v>36.363636363636097</c:v>
+                  <c:v>36.36363636363609</c:v>
                 </c:pt>
                 <c:pt idx="2">
                   <c:v>37.5</c:v>
@@ -1364,7 +1364,7 @@
                   <c:v>37.142857142857103</c:v>
                 </c:pt>
                 <c:pt idx="6">
-                  <c:v>29.67032967032954</c:v>
+                  <c:v>29.670329670329533</c:v>
                 </c:pt>
                 <c:pt idx="7">
                   <c:v>20.731707317073202</c:v>
@@ -1385,11 +1385,11 @@
           </c:extLst>
         </c:ser>
         <c:marker val="1"/>
-        <c:axId val="61661568"/>
-        <c:axId val="61879040"/>
+        <c:axId val="63811584"/>
+        <c:axId val="63813504"/>
       </c:lineChart>
       <c:catAx>
-        <c:axId val="61661568"/>
+        <c:axId val="63811584"/>
         <c:scaling>
           <c:orientation val="minMax"/>
         </c:scaling>
@@ -1465,14 +1465,14 @@
             <a:endParaRPr lang="en-US"/>
           </a:p>
         </c:txPr>
-        <c:crossAx val="61879040"/>
+        <c:crossAx val="63813504"/>
         <c:crosses val="autoZero"/>
         <c:auto val="1"/>
         <c:lblAlgn val="ctr"/>
         <c:lblOffset val="100"/>
       </c:catAx>
       <c:valAx>
-        <c:axId val="61879040"/>
+        <c:axId val="63813504"/>
         <c:scaling>
           <c:orientation val="minMax"/>
         </c:scaling>
@@ -1556,7 +1556,7 @@
             <a:endParaRPr lang="en-US"/>
           </a:p>
         </c:txPr>
-        <c:crossAx val="61661568"/>
+        <c:crossAx val="63811584"/>
         <c:crosses val="autoZero"/>
         <c:crossBetween val="between"/>
       </c:valAx>
@@ -1758,7 +1758,7 @@
                   <c:v>16.129032258064488</c:v>
                 </c:pt>
                 <c:pt idx="2">
-                  <c:v>16.883116883116784</c:v>
+                  <c:v>16.883116883116781</c:v>
                 </c:pt>
                 <c:pt idx="3">
                   <c:v>13.846153846153801</c:v>
@@ -1880,7 +1880,7 @@
                   <c:v>6.7415730337078834</c:v>
                 </c:pt>
                 <c:pt idx="6">
-                  <c:v>13.888888888888953</c:v>
+                  <c:v>13.888888888888955</c:v>
                 </c:pt>
                 <c:pt idx="7">
                   <c:v>17.045454545454501</c:v>
@@ -1889,7 +1889,7 @@
                   <c:v>15.0537634408602</c:v>
                 </c:pt>
                 <c:pt idx="9">
-                  <c:v>11.363636363636468</c:v>
+                  <c:v>11.363636363636472</c:v>
                 </c:pt>
               </c:numCache>
             </c:numRef>
@@ -1972,10 +1972,10 @@
                 <c:formatCode>General</c:formatCode>
                 <c:ptCount val="10"/>
                 <c:pt idx="0">
-                  <c:v>30.172413793103292</c:v>
+                  <c:v>30.172413793103289</c:v>
                 </c:pt>
                 <c:pt idx="1">
-                  <c:v>39.743589743589915</c:v>
+                  <c:v>39.743589743589922</c:v>
                 </c:pt>
                 <c:pt idx="2">
                   <c:v>38.8888888888889</c:v>
@@ -2011,11 +2011,11 @@
           </c:extLst>
         </c:ser>
         <c:marker val="1"/>
-        <c:axId val="55957376"/>
-        <c:axId val="56757632"/>
+        <c:axId val="62673664"/>
+        <c:axId val="62675584"/>
       </c:lineChart>
       <c:catAx>
-        <c:axId val="55957376"/>
+        <c:axId val="62673664"/>
         <c:scaling>
           <c:orientation val="minMax"/>
         </c:scaling>
@@ -2091,14 +2091,14 @@
             <a:endParaRPr lang="en-US"/>
           </a:p>
         </c:txPr>
-        <c:crossAx val="56757632"/>
+        <c:crossAx val="62675584"/>
         <c:crosses val="autoZero"/>
         <c:auto val="1"/>
         <c:lblAlgn val="ctr"/>
         <c:lblOffset val="100"/>
       </c:catAx>
       <c:valAx>
-        <c:axId val="56757632"/>
+        <c:axId val="62675584"/>
         <c:scaling>
           <c:orientation val="minMax"/>
         </c:scaling>
@@ -2182,7 +2182,7 @@
             <a:endParaRPr lang="en-US"/>
           </a:p>
         </c:txPr>
-        <c:crossAx val="55957376"/>
+        <c:crossAx val="62673664"/>
         <c:crosses val="autoZero"/>
         <c:crossBetween val="between"/>
       </c:valAx>
@@ -2381,22 +2381,22 @@
                   <c:v>42.331288343558299</c:v>
                 </c:pt>
                 <c:pt idx="1">
-                  <c:v>48.412698412698205</c:v>
+                  <c:v>48.412698412698198</c:v>
                 </c:pt>
                 <c:pt idx="2">
                   <c:v>42.384105960264897</c:v>
                 </c:pt>
                 <c:pt idx="3">
-                  <c:v>47.154471544715342</c:v>
+                  <c:v>47.154471544715335</c:v>
                 </c:pt>
                 <c:pt idx="4">
                   <c:v>54.477611940298495</c:v>
                 </c:pt>
                 <c:pt idx="5">
-                  <c:v>49.673202614379242</c:v>
+                  <c:v>49.67320261437925</c:v>
                 </c:pt>
                 <c:pt idx="6">
-                  <c:v>40.97560975609742</c:v>
+                  <c:v>40.975609756097413</c:v>
                 </c:pt>
                 <c:pt idx="7">
                   <c:v>48.936170212766001</c:v>
@@ -2488,7 +2488,7 @@
                 <c:formatCode>General</c:formatCode>
                 <c:ptCount val="10"/>
                 <c:pt idx="0">
-                  <c:v>20.422535211267487</c:v>
+                  <c:v>20.422535211267483</c:v>
                 </c:pt>
                 <c:pt idx="1">
                   <c:v>18.9542483660131</c:v>
@@ -2497,25 +2497,25 @@
                   <c:v>22.556390977443588</c:v>
                 </c:pt>
                 <c:pt idx="3">
-                  <c:v>14.124293785310639</c:v>
+                  <c:v>14.124293785310636</c:v>
                 </c:pt>
                 <c:pt idx="4">
-                  <c:v>17.948717948717857</c:v>
+                  <c:v>17.948717948717849</c:v>
                 </c:pt>
                 <c:pt idx="5">
-                  <c:v>20.129870129870227</c:v>
+                  <c:v>20.129870129870234</c:v>
                 </c:pt>
                 <c:pt idx="6">
                   <c:v>18.6666666666667</c:v>
                 </c:pt>
                 <c:pt idx="7">
-                  <c:v>21.186440677965976</c:v>
+                  <c:v>21.186440677965969</c:v>
                 </c:pt>
                 <c:pt idx="8">
-                  <c:v>15.555555555555671</c:v>
+                  <c:v>15.555555555555674</c:v>
                 </c:pt>
                 <c:pt idx="9">
-                  <c:v>19.230769230769042</c:v>
+                  <c:v>19.230769230769035</c:v>
                 </c:pt>
               </c:numCache>
             </c:numRef>
@@ -2613,7 +2613,7 @@
                   <c:v>21.739130434782599</c:v>
                 </c:pt>
                 <c:pt idx="5">
-                  <c:v>31.460674157303309</c:v>
+                  <c:v>31.460674157303306</c:v>
                 </c:pt>
                 <c:pt idx="6">
                   <c:v>24.864864864864931</c:v>
@@ -2637,11 +2637,11 @@
           </c:extLst>
         </c:ser>
         <c:marker val="1"/>
-        <c:axId val="55666176"/>
-        <c:axId val="61650816"/>
+        <c:axId val="63911424"/>
+        <c:axId val="63913344"/>
       </c:lineChart>
       <c:catAx>
-        <c:axId val="55666176"/>
+        <c:axId val="63911424"/>
         <c:scaling>
           <c:orientation val="minMax"/>
         </c:scaling>
@@ -2717,14 +2717,14 @@
             <a:endParaRPr lang="en-US"/>
           </a:p>
         </c:txPr>
-        <c:crossAx val="61650816"/>
+        <c:crossAx val="63913344"/>
         <c:crosses val="autoZero"/>
         <c:auto val="1"/>
         <c:lblAlgn val="ctr"/>
         <c:lblOffset val="100"/>
       </c:catAx>
       <c:valAx>
-        <c:axId val="61650816"/>
+        <c:axId val="63913344"/>
         <c:scaling>
           <c:orientation val="minMax"/>
         </c:scaling>
@@ -2808,7 +2808,7 @@
             <a:endParaRPr lang="en-US"/>
           </a:p>
         </c:txPr>
-        <c:crossAx val="55666176"/>
+        <c:crossAx val="63911424"/>
         <c:crosses val="autoZero"/>
         <c:crossBetween val="between"/>
       </c:valAx>
@@ -3263,11 +3263,11 @@
           </c:extLst>
         </c:ser>
         <c:marker val="1"/>
-        <c:axId val="43238528"/>
-        <c:axId val="55607680"/>
+        <c:axId val="63961728"/>
+        <c:axId val="64230144"/>
       </c:lineChart>
       <c:catAx>
-        <c:axId val="43238528"/>
+        <c:axId val="63961728"/>
         <c:scaling>
           <c:orientation val="minMax"/>
         </c:scaling>
@@ -3343,14 +3343,14 @@
             <a:endParaRPr lang="en-US"/>
           </a:p>
         </c:txPr>
-        <c:crossAx val="55607680"/>
+        <c:crossAx val="64230144"/>
         <c:crosses val="autoZero"/>
         <c:auto val="1"/>
         <c:lblAlgn val="ctr"/>
         <c:lblOffset val="100"/>
       </c:catAx>
       <c:valAx>
-        <c:axId val="55607680"/>
+        <c:axId val="64230144"/>
         <c:scaling>
           <c:orientation val="minMax"/>
         </c:scaling>
@@ -3434,7 +3434,7 @@
             <a:endParaRPr lang="en-US"/>
           </a:p>
         </c:txPr>
-        <c:crossAx val="43238528"/>
+        <c:crossAx val="63961728"/>
         <c:crosses val="autoZero"/>
         <c:crossBetween val="between"/>
       </c:valAx>
@@ -3889,11 +3889,11 @@
           </c:extLst>
         </c:ser>
         <c:marker val="1"/>
-        <c:axId val="65604608"/>
-        <c:axId val="65666432"/>
+        <c:axId val="64273792"/>
+        <c:axId val="64288256"/>
       </c:lineChart>
       <c:catAx>
-        <c:axId val="65604608"/>
+        <c:axId val="64273792"/>
         <c:scaling>
           <c:orientation val="minMax"/>
         </c:scaling>
@@ -3974,14 +3974,14 @@
             <a:endParaRPr lang="en-US"/>
           </a:p>
         </c:txPr>
-        <c:crossAx val="65666432"/>
+        <c:crossAx val="64288256"/>
         <c:crosses val="autoZero"/>
         <c:auto val="1"/>
         <c:lblAlgn val="ctr"/>
         <c:lblOffset val="100"/>
       </c:catAx>
       <c:valAx>
-        <c:axId val="65666432"/>
+        <c:axId val="64288256"/>
         <c:scaling>
           <c:orientation val="minMax"/>
         </c:scaling>
@@ -4065,7 +4065,7 @@
             <a:endParaRPr lang="en-US"/>
           </a:p>
         </c:txPr>
-        <c:crossAx val="65604608"/>
+        <c:crossAx val="64273792"/>
         <c:crosses val="autoZero"/>
         <c:crossBetween val="between"/>
       </c:valAx>
@@ -4520,11 +4520,11 @@
           </c:extLst>
         </c:ser>
         <c:marker val="1"/>
-        <c:axId val="65530496"/>
-        <c:axId val="65738240"/>
+        <c:axId val="64328064"/>
+        <c:axId val="64329984"/>
       </c:lineChart>
       <c:catAx>
-        <c:axId val="65530496"/>
+        <c:axId val="64328064"/>
         <c:scaling>
           <c:orientation val="minMax"/>
         </c:scaling>
@@ -4600,14 +4600,14 @@
             <a:endParaRPr lang="en-US"/>
           </a:p>
         </c:txPr>
-        <c:crossAx val="65738240"/>
+        <c:crossAx val="64329984"/>
         <c:crosses val="autoZero"/>
         <c:auto val="1"/>
         <c:lblAlgn val="ctr"/>
         <c:lblOffset val="100"/>
       </c:catAx>
       <c:valAx>
-        <c:axId val="65738240"/>
+        <c:axId val="64329984"/>
         <c:scaling>
           <c:orientation val="minMax"/>
         </c:scaling>
@@ -4691,7 +4691,7 @@
             <a:endParaRPr lang="en-US"/>
           </a:p>
         </c:txPr>
-        <c:crossAx val="65530496"/>
+        <c:crossAx val="64328064"/>
         <c:crosses val="autoZero"/>
         <c:crossBetween val="between"/>
       </c:valAx>
@@ -5146,11 +5146,11 @@
           </c:extLst>
         </c:ser>
         <c:marker val="1"/>
-        <c:axId val="67270912"/>
-        <c:axId val="69171072"/>
+        <c:axId val="63870080"/>
+        <c:axId val="63872000"/>
       </c:lineChart>
       <c:catAx>
-        <c:axId val="67270912"/>
+        <c:axId val="63870080"/>
         <c:scaling>
           <c:orientation val="minMax"/>
         </c:scaling>
@@ -5226,14 +5226,14 @@
             <a:endParaRPr lang="en-US"/>
           </a:p>
         </c:txPr>
-        <c:crossAx val="69171072"/>
+        <c:crossAx val="63872000"/>
         <c:crosses val="autoZero"/>
         <c:auto val="1"/>
         <c:lblAlgn val="ctr"/>
         <c:lblOffset val="100"/>
       </c:catAx>
       <c:valAx>
-        <c:axId val="69171072"/>
+        <c:axId val="63872000"/>
         <c:scaling>
           <c:orientation val="minMax"/>
         </c:scaling>
@@ -5317,7 +5317,7 @@
             <a:endParaRPr lang="en-US"/>
           </a:p>
         </c:txPr>
-        <c:crossAx val="67270912"/>
+        <c:crossAx val="63870080"/>
         <c:crosses val="autoZero"/>
         <c:crossBetween val="between"/>
       </c:valAx>
@@ -5450,13 +5450,13 @@
                   <c:v>21.637777010719031</c:v>
                 </c:pt>
                 <c:pt idx="1">
-                  <c:v>22.540432697310084</c:v>
+                  <c:v>22.540432697310081</c:v>
                 </c:pt>
                 <c:pt idx="2">
                   <c:v>21.21245545314353</c:v>
                 </c:pt>
                 <c:pt idx="3">
-                  <c:v>46.81907215969165</c:v>
+                  <c:v>46.819072159691636</c:v>
                 </c:pt>
               </c:numCache>
             </c:numRef>
@@ -5526,24 +5526,24 @@
                   <c:v>29.649196938005776</c:v>
                 </c:pt>
                 <c:pt idx="1">
-                  <c:v>34.572338993250987</c:v>
+                  <c:v>34.572338993250995</c:v>
                 </c:pt>
                 <c:pt idx="2">
                   <c:v>34.036135143707313</c:v>
                 </c:pt>
                 <c:pt idx="3">
-                  <c:v>28.03996597828565</c:v>
+                  <c:v>28.039965978285654</c:v>
                 </c:pt>
               </c:numCache>
             </c:numRef>
           </c:val>
         </c:ser>
         <c:marker val="1"/>
-        <c:axId val="58631680"/>
-        <c:axId val="58634624"/>
+        <c:axId val="65552384"/>
+        <c:axId val="65554304"/>
       </c:lineChart>
       <c:catAx>
-        <c:axId val="58631680"/>
+        <c:axId val="65552384"/>
         <c:scaling>
           <c:orientation val="minMax"/>
         </c:scaling>
@@ -5568,14 +5568,14 @@
         </c:title>
         <c:majorTickMark val="none"/>
         <c:tickLblPos val="nextTo"/>
-        <c:crossAx val="58634624"/>
+        <c:crossAx val="65554304"/>
         <c:crosses val="autoZero"/>
         <c:auto val="1"/>
         <c:lblAlgn val="ctr"/>
         <c:lblOffset val="100"/>
       </c:catAx>
       <c:valAx>
-        <c:axId val="58634624"/>
+        <c:axId val="65554304"/>
         <c:scaling>
           <c:orientation val="minMax"/>
         </c:scaling>
@@ -5602,7 +5602,7 @@
         <c:numFmt formatCode="General" sourceLinked="1"/>
         <c:majorTickMark val="none"/>
         <c:tickLblPos val="nextTo"/>
-        <c:crossAx val="58631680"/>
+        <c:crossAx val="65552384"/>
         <c:crosses val="autoZero"/>
         <c:crossBetween val="between"/>
       </c:valAx>
@@ -6284,7 +6284,7 @@
             <a:fld id="{319AAB45-6364-46CF-9C1C-3AF04E3602C2}" type="datetimeFigureOut">
               <a:rPr lang="en-US" smtClean="0"/>
               <a:pPr/>
-              <a:t>2/20/2017</a:t>
+              <a:t>2/21/2017</a:t>
             </a:fld>
             <a:endParaRPr lang="en-US"/>
           </a:p>
@@ -6469,7 +6469,7 @@
             <a:fld id="{319AAB45-6364-46CF-9C1C-3AF04E3602C2}" type="datetimeFigureOut">
               <a:rPr lang="en-US" smtClean="0"/>
               <a:pPr/>
-              <a:t>2/20/2017</a:t>
+              <a:t>2/21/2017</a:t>
             </a:fld>
             <a:endParaRPr lang="en-US"/>
           </a:p>
@@ -6646,7 +6646,7 @@
             <a:fld id="{319AAB45-6364-46CF-9C1C-3AF04E3602C2}" type="datetimeFigureOut">
               <a:rPr lang="en-US" smtClean="0"/>
               <a:pPr/>
-              <a:t>2/20/2017</a:t>
+              <a:t>2/21/2017</a:t>
             </a:fld>
             <a:endParaRPr lang="en-US"/>
           </a:p>
@@ -6813,7 +6813,7 @@
             <a:fld id="{319AAB45-6364-46CF-9C1C-3AF04E3602C2}" type="datetimeFigureOut">
               <a:rPr lang="en-US" smtClean="0"/>
               <a:pPr/>
-              <a:t>2/20/2017</a:t>
+              <a:t>2/21/2017</a:t>
             </a:fld>
             <a:endParaRPr lang="en-US"/>
           </a:p>
@@ -7036,7 +7036,7 @@
             <a:fld id="{319AAB45-6364-46CF-9C1C-3AF04E3602C2}" type="datetimeFigureOut">
               <a:rPr lang="en-US" smtClean="0"/>
               <a:pPr/>
-              <a:t>2/20/2017</a:t>
+              <a:t>2/21/2017</a:t>
             </a:fld>
             <a:endParaRPr lang="en-US"/>
           </a:p>
@@ -7297,7 +7297,7 @@
             <a:fld id="{319AAB45-6364-46CF-9C1C-3AF04E3602C2}" type="datetimeFigureOut">
               <a:rPr lang="en-US" smtClean="0"/>
               <a:pPr/>
-              <a:t>2/20/2017</a:t>
+              <a:t>2/21/2017</a:t>
             </a:fld>
             <a:endParaRPr lang="en-US"/>
           </a:p>
@@ -7703,7 +7703,7 @@
             <a:fld id="{319AAB45-6364-46CF-9C1C-3AF04E3602C2}" type="datetimeFigureOut">
               <a:rPr lang="en-US" smtClean="0"/>
               <a:pPr/>
-              <a:t>2/20/2017</a:t>
+              <a:t>2/21/2017</a:t>
             </a:fld>
             <a:endParaRPr lang="en-US"/>
           </a:p>
@@ -7836,7 +7836,7 @@
             <a:fld id="{319AAB45-6364-46CF-9C1C-3AF04E3602C2}" type="datetimeFigureOut">
               <a:rPr lang="en-US" smtClean="0"/>
               <a:pPr/>
-              <a:t>2/20/2017</a:t>
+              <a:t>2/21/2017</a:t>
             </a:fld>
             <a:endParaRPr lang="en-US"/>
           </a:p>
@@ -7938,7 +7938,7 @@
             <a:fld id="{319AAB45-6364-46CF-9C1C-3AF04E3602C2}" type="datetimeFigureOut">
               <a:rPr lang="en-US" smtClean="0"/>
               <a:pPr/>
-              <a:t>2/20/2017</a:t>
+              <a:t>2/21/2017</a:t>
             </a:fld>
             <a:endParaRPr lang="en-US"/>
           </a:p>
@@ -8185,7 +8185,7 @@
             <a:fld id="{319AAB45-6364-46CF-9C1C-3AF04E3602C2}" type="datetimeFigureOut">
               <a:rPr lang="en-US" smtClean="0"/>
               <a:pPr/>
-              <a:t>2/20/2017</a:t>
+              <a:t>2/21/2017</a:t>
             </a:fld>
             <a:endParaRPr lang="en-US"/>
           </a:p>
@@ -8431,7 +8431,7 @@
             <a:fld id="{319AAB45-6364-46CF-9C1C-3AF04E3602C2}" type="datetimeFigureOut">
               <a:rPr lang="en-US" smtClean="0"/>
               <a:pPr/>
-              <a:t>2/20/2017</a:t>
+              <a:t>2/21/2017</a:t>
             </a:fld>
             <a:endParaRPr lang="en-US"/>
           </a:p>
@@ -9257,7 +9257,7 @@
             <a:fld id="{319AAB45-6364-46CF-9C1C-3AF04E3602C2}" type="datetimeFigureOut">
               <a:rPr lang="en-US" smtClean="0"/>
               <a:pPr/>
-              <a:t>2/20/2017</a:t>
+              <a:t>2/21/2017</a:t>
             </a:fld>
             <a:endParaRPr lang="en-US"/>
           </a:p>
@@ -11807,7 +11807,6 @@
               <a:rPr lang="en-US" dirty="0" smtClean="0"/>
               <a:t>.</a:t>
             </a:r>
-            <a:endParaRPr lang="en-US" dirty="0" smtClean="0"/>
           </a:p>
         </p:txBody>
       </p:sp>
@@ -13377,14 +13376,12 @@
         </p:nvSpPr>
         <p:spPr/>
         <p:txBody>
-          <a:bodyPr>
-            <a:normAutofit/>
-          </a:bodyPr>
+          <a:bodyPr/>
           <a:lstStyle/>
           <a:p>
             <a:r>
               <a:rPr lang="en-US" dirty="0" smtClean="0"/>
-              <a:t>ALGORITMA</a:t>
+              <a:t>RUMUSAN MASALAH</a:t>
             </a:r>
             <a:endParaRPr lang="en-US" dirty="0"/>
           </a:p>
@@ -13406,70 +13403,129 @@
           <a:lstStyle/>
           <a:p>
             <a:r>
+              <a:rPr lang="en-US" dirty="0" err="1" smtClean="0"/>
+              <a:t>Menambahkan</a:t>
+            </a:r>
+            <a:r>
+              <a:rPr lang="en-US" dirty="0" smtClean="0"/>
+              <a:t> </a:t>
+            </a:r>
+            <a:r>
+              <a:rPr lang="en-US" dirty="0" err="1" smtClean="0"/>
+              <a:t>dinamisasi</a:t>
+            </a:r>
+            <a:r>
+              <a:rPr lang="en-US" dirty="0" smtClean="0"/>
+              <a:t> </a:t>
+            </a:r>
+            <a:r>
+              <a:rPr lang="en-US" dirty="0" err="1" smtClean="0"/>
+              <a:t>permainan</a:t>
+            </a:r>
+            <a:r>
+              <a:rPr lang="en-US" dirty="0" smtClean="0"/>
+              <a:t> </a:t>
+            </a:r>
+            <a:r>
+              <a:rPr lang="en-US" dirty="0" err="1" smtClean="0"/>
+              <a:t>yaitu</a:t>
+            </a:r>
+            <a:r>
+              <a:rPr lang="en-US" dirty="0" smtClean="0"/>
+              <a:t> </a:t>
+            </a:r>
+            <a:r>
+              <a:rPr lang="en-US" dirty="0" err="1" smtClean="0"/>
+              <a:t>berupa</a:t>
+            </a:r>
+            <a:r>
+              <a:rPr lang="en-US" dirty="0" smtClean="0"/>
+              <a:t> </a:t>
+            </a:r>
+            <a:r>
+              <a:rPr lang="en-US" dirty="0" err="1" smtClean="0"/>
+              <a:t>penambahan</a:t>
+            </a:r>
+            <a:r>
+              <a:rPr lang="en-US" dirty="0" smtClean="0"/>
+              <a:t> </a:t>
+            </a:r>
+            <a:r>
+              <a:rPr lang="en-US" dirty="0" err="1" smtClean="0"/>
+              <a:t>arah</a:t>
+            </a:r>
+            <a:r>
+              <a:rPr lang="en-US" dirty="0" smtClean="0"/>
+              <a:t> </a:t>
+            </a:r>
+            <a:r>
+              <a:rPr lang="en-US" dirty="0" err="1" smtClean="0"/>
+              <a:t>gerakan</a:t>
+            </a:r>
+            <a:r>
+              <a:rPr lang="en-US" dirty="0" smtClean="0"/>
+              <a:t> </a:t>
+            </a:r>
+            <a:r>
+              <a:rPr lang="en-US" dirty="0" err="1" smtClean="0"/>
+              <a:t>dan</a:t>
+            </a:r>
+            <a:r>
+              <a:rPr lang="en-US" dirty="0" smtClean="0"/>
+              <a:t> </a:t>
+            </a:r>
+            <a:r>
+              <a:rPr lang="en-US" dirty="0" err="1" smtClean="0"/>
+              <a:t>penambahan</a:t>
+            </a:r>
+            <a:r>
+              <a:rPr lang="en-US" dirty="0" smtClean="0"/>
+              <a:t> </a:t>
+            </a:r>
+            <a:r>
+              <a:rPr lang="en-US" dirty="0" err="1" smtClean="0"/>
+              <a:t>keputusan</a:t>
+            </a:r>
+            <a:r>
+              <a:rPr lang="en-US" dirty="0" smtClean="0"/>
+              <a:t> </a:t>
+            </a:r>
+            <a:r>
+              <a:rPr lang="en-US" dirty="0" err="1" smtClean="0"/>
+              <a:t>oleh</a:t>
+            </a:r>
+            <a:r>
+              <a:rPr lang="en-US" dirty="0" smtClean="0"/>
+              <a:t> </a:t>
+            </a:r>
+            <a:r>
+              <a:rPr lang="en-US" dirty="0" err="1" smtClean="0"/>
+              <a:t>sistem</a:t>
+            </a:r>
+            <a:r>
+              <a:rPr lang="en-US" dirty="0" smtClean="0"/>
+              <a:t>, </a:t>
+            </a:r>
+            <a:r>
+              <a:rPr lang="en-US" dirty="0" err="1" smtClean="0"/>
+              <a:t>dengan</a:t>
+            </a:r>
+            <a:r>
+              <a:rPr lang="en-US" dirty="0" smtClean="0"/>
+              <a:t> </a:t>
+            </a:r>
+            <a:r>
               <a:rPr lang="en-US" i="1" dirty="0" smtClean="0"/>
-              <a:t>Reinforcement Learning</a:t>
-            </a:r>
-          </a:p>
-          <a:p>
-            <a:pPr lvl="1"/>
-            <a:r>
-              <a:rPr lang="en-US" i="1" dirty="0" smtClean="0"/>
-              <a:t>Q-Learning</a:t>
-            </a:r>
-          </a:p>
-          <a:p>
-            <a:pPr lvl="1"/>
-            <a:r>
-              <a:rPr lang="en-US" i="1" dirty="0" smtClean="0"/>
-              <a:t>SARSA</a:t>
-            </a:r>
-          </a:p>
-          <a:p>
-            <a:pPr lvl="2"/>
-            <a:r>
-              <a:rPr lang="en-US" i="1" dirty="0" smtClean="0"/>
-              <a:t>Markov Decision Process (MDP)</a:t>
-            </a:r>
-            <a:endParaRPr lang="en-US" i="1" dirty="0" smtClean="0"/>
-          </a:p>
-          <a:p>
-            <a:pPr>
-              <a:buNone/>
-            </a:pPr>
+              <a:t>reinforcement learning</a:t>
+            </a:r>
+            <a:r>
+              <a:rPr lang="en-US" dirty="0" smtClean="0"/>
+              <a:t>.</a:t>
+            </a:r>
             <a:endParaRPr lang="en-US" dirty="0"/>
           </a:p>
         </p:txBody>
       </p:sp>
-      <p:pic>
-        <p:nvPicPr>
-          <p:cNvPr id="4" name="Picture 3"/>
-          <p:cNvPicPr/>
-          <p:nvPr/>
-        </p:nvPicPr>
-        <p:blipFill>
-          <a:blip r:embed="rId2" cstate="print"/>
-          <a:srcRect l="24070" t="29699" r="43002" b="21038"/>
-          <a:stretch>
-            <a:fillRect/>
-          </a:stretch>
-        </p:blipFill>
-        <p:spPr bwMode="auto">
-          <a:xfrm>
-            <a:off x="4267200" y="4049032"/>
-            <a:ext cx="3857625" cy="2808968"/>
-          </a:xfrm>
-          <a:prstGeom prst="rect">
-            <a:avLst/>
-          </a:prstGeom>
-          <a:noFill/>
-          <a:ln w="9525">
-            <a:noFill/>
-            <a:miter lim="800000"/>
-            <a:headEnd/>
-            <a:tailEnd/>
-          </a:ln>
-        </p:spPr>
-      </p:pic>
     </p:spTree>
   </p:cSld>
   <p:clrMapOvr>
@@ -13514,12 +13570,14 @@
         </p:nvSpPr>
         <p:spPr/>
         <p:txBody>
-          <a:bodyPr/>
+          <a:bodyPr>
+            <a:normAutofit/>
+          </a:bodyPr>
           <a:lstStyle/>
           <a:p>
             <a:r>
               <a:rPr lang="en-US" dirty="0" smtClean="0"/>
-              <a:t>RUMUSAN MASALAH</a:t>
+              <a:t>ALGORITMA</a:t>
             </a:r>
             <a:endParaRPr lang="en-US" dirty="0"/>
           </a:p>
@@ -13541,129 +13599,69 @@
           <a:lstStyle/>
           <a:p>
             <a:r>
-              <a:rPr lang="en-US" dirty="0" err="1" smtClean="0"/>
-              <a:t>Menambahkan</a:t>
-            </a:r>
-            <a:r>
-              <a:rPr lang="en-US" dirty="0" smtClean="0"/>
-              <a:t> </a:t>
-            </a:r>
-            <a:r>
-              <a:rPr lang="en-US" dirty="0" err="1" smtClean="0"/>
-              <a:t>dinamisasi</a:t>
-            </a:r>
-            <a:r>
-              <a:rPr lang="en-US" dirty="0" smtClean="0"/>
-              <a:t> </a:t>
-            </a:r>
-            <a:r>
-              <a:rPr lang="en-US" dirty="0" err="1" smtClean="0"/>
-              <a:t>permainan</a:t>
-            </a:r>
-            <a:r>
-              <a:rPr lang="en-US" dirty="0" smtClean="0"/>
-              <a:t> </a:t>
-            </a:r>
-            <a:r>
-              <a:rPr lang="en-US" dirty="0" err="1" smtClean="0"/>
-              <a:t>yaitu</a:t>
-            </a:r>
-            <a:r>
-              <a:rPr lang="en-US" dirty="0" smtClean="0"/>
-              <a:t> </a:t>
-            </a:r>
-            <a:r>
-              <a:rPr lang="en-US" dirty="0" err="1" smtClean="0"/>
-              <a:t>berupa</a:t>
-            </a:r>
-            <a:r>
-              <a:rPr lang="en-US" dirty="0" smtClean="0"/>
-              <a:t> </a:t>
-            </a:r>
-            <a:r>
-              <a:rPr lang="en-US" dirty="0" err="1" smtClean="0"/>
-              <a:t>penambahan</a:t>
-            </a:r>
-            <a:r>
-              <a:rPr lang="en-US" dirty="0" smtClean="0"/>
-              <a:t> </a:t>
-            </a:r>
-            <a:r>
-              <a:rPr lang="en-US" dirty="0" err="1" smtClean="0"/>
-              <a:t>arah</a:t>
-            </a:r>
-            <a:r>
-              <a:rPr lang="en-US" dirty="0" smtClean="0"/>
-              <a:t> </a:t>
-            </a:r>
-            <a:r>
-              <a:rPr lang="en-US" dirty="0" err="1" smtClean="0"/>
-              <a:t>gerakan</a:t>
-            </a:r>
-            <a:r>
-              <a:rPr lang="en-US" dirty="0" smtClean="0"/>
-              <a:t> </a:t>
-            </a:r>
-            <a:r>
-              <a:rPr lang="en-US" dirty="0" err="1" smtClean="0"/>
-              <a:t>dan</a:t>
-            </a:r>
-            <a:r>
-              <a:rPr lang="en-US" dirty="0" smtClean="0"/>
-              <a:t> </a:t>
-            </a:r>
-            <a:r>
-              <a:rPr lang="en-US" dirty="0" err="1" smtClean="0"/>
-              <a:t>penambahan</a:t>
-            </a:r>
-            <a:r>
-              <a:rPr lang="en-US" dirty="0" smtClean="0"/>
-              <a:t> </a:t>
-            </a:r>
-            <a:r>
-              <a:rPr lang="en-US" dirty="0" err="1" smtClean="0"/>
-              <a:t>keputusan</a:t>
-            </a:r>
-            <a:r>
-              <a:rPr lang="en-US" dirty="0" smtClean="0"/>
-              <a:t> </a:t>
-            </a:r>
-            <a:r>
-              <a:rPr lang="en-US" dirty="0" err="1" smtClean="0"/>
-              <a:t>oleh</a:t>
-            </a:r>
-            <a:r>
-              <a:rPr lang="en-US" dirty="0" smtClean="0"/>
-              <a:t> </a:t>
-            </a:r>
-            <a:r>
-              <a:rPr lang="en-US" dirty="0" err="1" smtClean="0"/>
-              <a:t>sistem</a:t>
-            </a:r>
-            <a:r>
-              <a:rPr lang="en-US" dirty="0" smtClean="0"/>
-              <a:t>, </a:t>
-            </a:r>
-            <a:r>
-              <a:rPr lang="en-US" dirty="0" err="1" smtClean="0"/>
-              <a:t>dengan</a:t>
-            </a:r>
-            <a:r>
-              <a:rPr lang="en-US" dirty="0" smtClean="0"/>
-              <a:t> </a:t>
-            </a:r>
-            <a:r>
               <a:rPr lang="en-US" i="1" dirty="0" smtClean="0"/>
-              <a:t>reinforcement learning</a:t>
-            </a:r>
-            <a:r>
-              <a:rPr lang="en-US" dirty="0" smtClean="0"/>
-              <a:t>.</a:t>
-            </a:r>
+              <a:t>Reinforcement Learning</a:t>
+            </a:r>
+          </a:p>
+          <a:p>
+            <a:pPr lvl="1"/>
+            <a:r>
+              <a:rPr lang="en-US" i="1" dirty="0" smtClean="0"/>
+              <a:t>Q-Learning</a:t>
+            </a:r>
+          </a:p>
+          <a:p>
+            <a:pPr lvl="1"/>
+            <a:r>
+              <a:rPr lang="en-US" i="1" dirty="0" smtClean="0"/>
+              <a:t>SARSA</a:t>
+            </a:r>
+          </a:p>
+          <a:p>
+            <a:pPr lvl="2"/>
+            <a:r>
+              <a:rPr lang="en-US" i="1" dirty="0" smtClean="0"/>
+              <a:t>Markov Decision Process (MDP)</a:t>
+            </a:r>
+          </a:p>
+          <a:p>
+            <a:pPr>
+              <a:buNone/>
+            </a:pPr>
             <a:endParaRPr lang="en-US" dirty="0"/>
           </a:p>
         </p:txBody>
       </p:sp>
+      <p:pic>
+        <p:nvPicPr>
+          <p:cNvPr id="4" name="Picture 3"/>
+          <p:cNvPicPr/>
+          <p:nvPr/>
+        </p:nvPicPr>
+        <p:blipFill>
+          <a:blip r:embed="rId2" cstate="print"/>
+          <a:srcRect l="24070" t="29699" r="43002" b="21038"/>
+          <a:stretch>
+            <a:fillRect/>
+          </a:stretch>
+        </p:blipFill>
+        <p:spPr bwMode="auto">
+          <a:xfrm>
+            <a:off x="4267200" y="4049032"/>
+            <a:ext cx="3857625" cy="2808968"/>
+          </a:xfrm>
+          <a:prstGeom prst="rect">
+            <a:avLst/>
+          </a:prstGeom>
+          <a:noFill/>
+          <a:ln w="9525">
+            <a:noFill/>
+            <a:miter lim="800000"/>
+            <a:headEnd/>
+            <a:tailEnd/>
+          </a:ln>
+        </p:spPr>
+      </p:pic>
     </p:spTree>
   </p:cSld>
   <p:clrMapOvr>
@@ -14977,11 +14975,7 @@
             </a:r>
             <a:r>
               <a:rPr lang="en-US" sz="2200" dirty="0" smtClean="0"/>
-              <a:t> </a:t>
-            </a:r>
-            <a:r>
-              <a:rPr lang="en-US" sz="2200" dirty="0" smtClean="0"/>
-              <a:t>data </a:t>
+              <a:t> data </a:t>
             </a:r>
             <a:r>
               <a:rPr lang="en-US" sz="2200" dirty="0" err="1" smtClean="0"/>
@@ -15039,7 +15033,6 @@
               <a:rPr lang="en-US" sz="2200" dirty="0" smtClean="0"/>
               <a:t>. </a:t>
             </a:r>
-            <a:endParaRPr lang="en-US" sz="2200" dirty="0" smtClean="0"/>
           </a:p>
           <a:p>
             <a:pPr lvl="1"/>
@@ -15264,193 +15257,193 @@
                 <a:latin typeface="Times New Roman" pitchFamily="18" charset="0"/>
                 <a:cs typeface="Times New Roman" pitchFamily="18" charset="0"/>
               </a:rPr>
-              <a:t> 10 </a:t>
-            </a:r>
-            <a:r>
-              <a:rPr lang="en-US" sz="1900" dirty="0" smtClean="0">
+              <a:t> 10 kali </a:t>
+            </a:r>
+            <a:r>
+              <a:rPr lang="en-US" sz="1900" dirty="0" err="1" smtClean="0">
                 <a:solidFill>
                   <a:schemeClr val="tx1"/>
                 </a:solidFill>
                 <a:latin typeface="Times New Roman" pitchFamily="18" charset="0"/>
                 <a:cs typeface="Times New Roman" pitchFamily="18" charset="0"/>
               </a:rPr>
-              <a:t>kali </a:t>
-            </a:r>
-            <a:r>
-              <a:rPr lang="en-US" sz="1900" dirty="0" err="1" smtClean="0">
+              <a:t>tanpa</a:t>
+            </a:r>
+            <a:r>
+              <a:rPr lang="en-US" sz="1900" dirty="0" smtClean="0">
                 <a:solidFill>
                   <a:schemeClr val="tx1"/>
                 </a:solidFill>
                 <a:latin typeface="Times New Roman" pitchFamily="18" charset="0"/>
                 <a:cs typeface="Times New Roman" pitchFamily="18" charset="0"/>
               </a:rPr>
-              <a:t>tanpa</a:t>
-            </a:r>
-            <a:r>
-              <a:rPr lang="en-US" sz="1900" dirty="0" smtClean="0">
+              <a:t> </a:t>
+            </a:r>
+            <a:r>
+              <a:rPr lang="en-US" sz="1900" dirty="0" err="1" smtClean="0">
                 <a:solidFill>
                   <a:schemeClr val="tx1"/>
                 </a:solidFill>
                 <a:latin typeface="Times New Roman" pitchFamily="18" charset="0"/>
                 <a:cs typeface="Times New Roman" pitchFamily="18" charset="0"/>
               </a:rPr>
-              <a:t> </a:t>
-            </a:r>
-            <a:r>
-              <a:rPr lang="en-US" sz="1900" dirty="0" err="1" smtClean="0">
+              <a:t>melawan</a:t>
+            </a:r>
+            <a:r>
+              <a:rPr lang="en-US" sz="1900" dirty="0" smtClean="0">
                 <a:solidFill>
                   <a:schemeClr val="tx1"/>
                 </a:solidFill>
                 <a:latin typeface="Times New Roman" pitchFamily="18" charset="0"/>
                 <a:cs typeface="Times New Roman" pitchFamily="18" charset="0"/>
               </a:rPr>
-              <a:t>melawan</a:t>
-            </a:r>
-            <a:r>
-              <a:rPr lang="en-US" sz="1900" dirty="0" smtClean="0">
+              <a:t> </a:t>
+            </a:r>
+            <a:r>
+              <a:rPr lang="en-US" sz="1900" i="1" dirty="0" err="1" smtClean="0">
                 <a:solidFill>
                   <a:schemeClr val="tx1"/>
                 </a:solidFill>
                 <a:latin typeface="Times New Roman" pitchFamily="18" charset="0"/>
                 <a:cs typeface="Times New Roman" pitchFamily="18" charset="0"/>
               </a:rPr>
-              <a:t> </a:t>
-            </a:r>
-            <a:r>
-              <a:rPr lang="en-US" sz="1900" i="1" dirty="0" err="1" smtClean="0">
+              <a:t>bot</a:t>
+            </a:r>
+            <a:r>
+              <a:rPr lang="en-US" sz="1900" i="1" dirty="0" smtClean="0">
                 <a:solidFill>
                   <a:schemeClr val="tx1"/>
                 </a:solidFill>
                 <a:latin typeface="Times New Roman" pitchFamily="18" charset="0"/>
                 <a:cs typeface="Times New Roman" pitchFamily="18" charset="0"/>
               </a:rPr>
-              <a:t>bot</a:t>
-            </a:r>
-            <a:r>
-              <a:rPr lang="en-US" sz="1900" i="1" dirty="0" smtClean="0">
+              <a:t> </a:t>
+            </a:r>
+            <a:r>
+              <a:rPr lang="en-US" sz="1900" dirty="0" smtClean="0">
                 <a:solidFill>
                   <a:schemeClr val="tx1"/>
                 </a:solidFill>
                 <a:latin typeface="Times New Roman" pitchFamily="18" charset="0"/>
                 <a:cs typeface="Times New Roman" pitchFamily="18" charset="0"/>
               </a:rPr>
-              <a:t> </a:t>
-            </a:r>
-            <a:r>
-              <a:rPr lang="en-US" sz="1900" dirty="0" smtClean="0">
+              <a:t>lain. (total 200 </a:t>
+            </a:r>
+            <a:r>
+              <a:rPr lang="en-US" sz="1900" dirty="0" err="1" smtClean="0">
                 <a:solidFill>
                   <a:schemeClr val="tx1"/>
                 </a:solidFill>
                 <a:latin typeface="Times New Roman" pitchFamily="18" charset="0"/>
                 <a:cs typeface="Times New Roman" pitchFamily="18" charset="0"/>
               </a:rPr>
-              <a:t>lain. (total 200 </a:t>
-            </a:r>
-            <a:r>
-              <a:rPr lang="en-US" sz="1900" dirty="0" err="1" smtClean="0">
+              <a:t>pembelajaran</a:t>
+            </a:r>
+            <a:r>
+              <a:rPr lang="en-US" sz="1900" dirty="0" smtClean="0">
                 <a:solidFill>
                   <a:schemeClr val="tx1"/>
                 </a:solidFill>
                 <a:latin typeface="Times New Roman" pitchFamily="18" charset="0"/>
                 <a:cs typeface="Times New Roman" pitchFamily="18" charset="0"/>
               </a:rPr>
-              <a:t>pembelajaran</a:t>
-            </a:r>
-            <a:r>
-              <a:rPr lang="en-US" sz="1900" dirty="0" smtClean="0">
+              <a:t>)</a:t>
+            </a:r>
+          </a:p>
+          <a:p>
+            <a:pPr lvl="1"/>
+            <a:r>
+              <a:rPr lang="en-US" sz="1900" dirty="0" err="1" smtClean="0">
                 <a:solidFill>
                   <a:schemeClr val="tx1"/>
                 </a:solidFill>
                 <a:latin typeface="Times New Roman" pitchFamily="18" charset="0"/>
                 <a:cs typeface="Times New Roman" pitchFamily="18" charset="0"/>
               </a:rPr>
-              <a:t>)</a:t>
-            </a:r>
-          </a:p>
-          <a:p>
-            <a:pPr lvl="1"/>
-            <a:r>
-              <a:rPr lang="en-US" sz="1900" dirty="0" err="1" smtClean="0">
+              <a:t>Pengujian</a:t>
+            </a:r>
+            <a:r>
+              <a:rPr lang="en-US" sz="1900" dirty="0" smtClean="0">
                 <a:solidFill>
                   <a:schemeClr val="tx1"/>
                 </a:solidFill>
                 <a:latin typeface="Times New Roman" pitchFamily="18" charset="0"/>
                 <a:cs typeface="Times New Roman" pitchFamily="18" charset="0"/>
               </a:rPr>
-              <a:t>Pengujian</a:t>
-            </a:r>
-            <a:r>
-              <a:rPr lang="en-US" sz="1900" dirty="0" smtClean="0">
+              <a:t> </a:t>
+            </a:r>
+            <a:r>
+              <a:rPr lang="en-US" sz="1900" dirty="0" err="1" smtClean="0">
                 <a:solidFill>
                   <a:schemeClr val="tx1"/>
                 </a:solidFill>
                 <a:latin typeface="Times New Roman" pitchFamily="18" charset="0"/>
                 <a:cs typeface="Times New Roman" pitchFamily="18" charset="0"/>
               </a:rPr>
-              <a:t> </a:t>
-            </a:r>
-            <a:r>
-              <a:rPr lang="en-US" sz="1900" dirty="0" err="1" smtClean="0">
+              <a:t>Kedua</a:t>
+            </a:r>
+            <a:r>
+              <a:rPr lang="en-US" sz="1900" dirty="0" smtClean="0">
                 <a:solidFill>
                   <a:schemeClr val="tx1"/>
                 </a:solidFill>
                 <a:latin typeface="Times New Roman" pitchFamily="18" charset="0"/>
                 <a:cs typeface="Times New Roman" pitchFamily="18" charset="0"/>
               </a:rPr>
-              <a:t>Kedua</a:t>
-            </a:r>
-            <a:r>
-              <a:rPr lang="en-US" sz="1900" dirty="0" smtClean="0">
+              <a:t>,</a:t>
+            </a:r>
+          </a:p>
+          <a:p>
+            <a:pPr lvl="2"/>
+            <a:r>
+              <a:rPr lang="en-US" sz="1900" dirty="0" err="1" smtClean="0">
                 <a:solidFill>
                   <a:schemeClr val="tx1"/>
                 </a:solidFill>
                 <a:latin typeface="Times New Roman" pitchFamily="18" charset="0"/>
                 <a:cs typeface="Times New Roman" pitchFamily="18" charset="0"/>
               </a:rPr>
-              <a:t>,</a:t>
-            </a:r>
-          </a:p>
-          <a:p>
-            <a:pPr lvl="2"/>
-            <a:r>
-              <a:rPr lang="en-US" sz="1900" dirty="0" err="1" smtClean="0">
+              <a:t>Belajar</a:t>
+            </a:r>
+            <a:r>
+              <a:rPr lang="en-US" sz="1900" dirty="0" smtClean="0">
                 <a:solidFill>
                   <a:schemeClr val="tx1"/>
                 </a:solidFill>
                 <a:latin typeface="Times New Roman" pitchFamily="18" charset="0"/>
                 <a:cs typeface="Times New Roman" pitchFamily="18" charset="0"/>
               </a:rPr>
-              <a:t>Belajar</a:t>
-            </a:r>
-            <a:r>
-              <a:rPr lang="en-US" sz="1900" dirty="0" smtClean="0">
+              <a:t> </a:t>
+            </a:r>
+            <a:r>
+              <a:rPr lang="en-US" sz="1900" dirty="0" err="1" smtClean="0">
                 <a:solidFill>
                   <a:schemeClr val="tx1"/>
                 </a:solidFill>
                 <a:latin typeface="Times New Roman" pitchFamily="18" charset="0"/>
                 <a:cs typeface="Times New Roman" pitchFamily="18" charset="0"/>
               </a:rPr>
-              <a:t> </a:t>
-            </a:r>
-            <a:r>
-              <a:rPr lang="en-US" sz="1900" dirty="0" err="1" smtClean="0">
+              <a:t>sebanyak</a:t>
+            </a:r>
+            <a:r>
+              <a:rPr lang="en-US" sz="1900" dirty="0" smtClean="0">
                 <a:solidFill>
                   <a:schemeClr val="tx1"/>
                 </a:solidFill>
                 <a:latin typeface="Times New Roman" pitchFamily="18" charset="0"/>
                 <a:cs typeface="Times New Roman" pitchFamily="18" charset="0"/>
               </a:rPr>
-              <a:t>sebanyak</a:t>
-            </a:r>
-            <a:r>
-              <a:rPr lang="en-US" sz="1900" dirty="0" smtClean="0">
+              <a:t> 100 kali </a:t>
+            </a:r>
+            <a:r>
+              <a:rPr lang="en-US" sz="1900" dirty="0" err="1" smtClean="0">
                 <a:solidFill>
                   <a:schemeClr val="tx1"/>
                 </a:solidFill>
                 <a:latin typeface="Times New Roman" pitchFamily="18" charset="0"/>
                 <a:cs typeface="Times New Roman" pitchFamily="18" charset="0"/>
               </a:rPr>
-              <a:t> 1</a:t>
+              <a:t>menembak</a:t>
             </a:r>
             <a:r>
               <a:rPr lang="en-US" sz="1900" dirty="0" smtClean="0">
@@ -15460,7 +15453,7 @@
                 <a:latin typeface="Times New Roman" pitchFamily="18" charset="0"/>
                 <a:cs typeface="Times New Roman" pitchFamily="18" charset="0"/>
               </a:rPr>
-              <a:t>00 kali </a:t>
+              <a:t> </a:t>
             </a:r>
             <a:r>
               <a:rPr lang="en-US" sz="1900" dirty="0" err="1" smtClean="0">
@@ -15470,7 +15463,7 @@
                 <a:latin typeface="Times New Roman" pitchFamily="18" charset="0"/>
                 <a:cs typeface="Times New Roman" pitchFamily="18" charset="0"/>
               </a:rPr>
-              <a:t>menembak</a:t>
+              <a:t>tanpa</a:t>
             </a:r>
             <a:r>
               <a:rPr lang="en-US" sz="1900" dirty="0" smtClean="0">
@@ -15490,7 +15483,7 @@
                 <a:latin typeface="Times New Roman" pitchFamily="18" charset="0"/>
                 <a:cs typeface="Times New Roman" pitchFamily="18" charset="0"/>
               </a:rPr>
-              <a:t>tanpa</a:t>
+              <a:t>melawan</a:t>
             </a:r>
             <a:r>
               <a:rPr lang="en-US" sz="1900" dirty="0" smtClean="0">
@@ -15503,14 +15496,14 @@
               <a:t> </a:t>
             </a:r>
             <a:r>
-              <a:rPr lang="en-US" sz="1900" dirty="0" err="1" smtClean="0">
+              <a:rPr lang="en-US" sz="1900" i="1" dirty="0" smtClean="0">
                 <a:solidFill>
                   <a:schemeClr val="tx1"/>
                 </a:solidFill>
                 <a:latin typeface="Times New Roman" pitchFamily="18" charset="0"/>
                 <a:cs typeface="Times New Roman" pitchFamily="18" charset="0"/>
               </a:rPr>
-              <a:t>melawan</a:t>
+              <a:t>bot</a:t>
             </a:r>
             <a:r>
               <a:rPr lang="en-US" sz="1900" dirty="0" smtClean="0">
@@ -15520,17 +15513,17 @@
                 <a:latin typeface="Times New Roman" pitchFamily="18" charset="0"/>
                 <a:cs typeface="Times New Roman" pitchFamily="18" charset="0"/>
               </a:rPr>
-              <a:t> </a:t>
-            </a:r>
-            <a:r>
-              <a:rPr lang="en-US" sz="1900" i="1" dirty="0" smtClean="0">
+              <a:t>. </a:t>
+            </a:r>
+            <a:r>
+              <a:rPr lang="en-US" sz="1900" dirty="0" err="1" smtClean="0">
                 <a:solidFill>
                   <a:schemeClr val="tx1"/>
                 </a:solidFill>
                 <a:latin typeface="Times New Roman" pitchFamily="18" charset="0"/>
                 <a:cs typeface="Times New Roman" pitchFamily="18" charset="0"/>
               </a:rPr>
-              <a:t>bot</a:t>
+              <a:t>Lalu</a:t>
             </a:r>
             <a:r>
               <a:rPr lang="en-US" sz="1900" dirty="0" smtClean="0">
@@ -15540,7 +15533,7 @@
                 <a:latin typeface="Times New Roman" pitchFamily="18" charset="0"/>
                 <a:cs typeface="Times New Roman" pitchFamily="18" charset="0"/>
               </a:rPr>
-              <a:t>. </a:t>
+              <a:t> </a:t>
             </a:r>
             <a:r>
               <a:rPr lang="en-US" sz="1900" dirty="0" err="1" smtClean="0">
@@ -15550,7 +15543,7 @@
                 <a:latin typeface="Times New Roman" pitchFamily="18" charset="0"/>
                 <a:cs typeface="Times New Roman" pitchFamily="18" charset="0"/>
               </a:rPr>
-              <a:t>Lalu</a:t>
+              <a:t>Melakukan</a:t>
             </a:r>
             <a:r>
               <a:rPr lang="en-US" sz="1900" dirty="0" smtClean="0">
@@ -15570,7 +15563,7 @@
                 <a:latin typeface="Times New Roman" pitchFamily="18" charset="0"/>
                 <a:cs typeface="Times New Roman" pitchFamily="18" charset="0"/>
               </a:rPr>
-              <a:t>Melakukan</a:t>
+              <a:t>pengujian</a:t>
             </a:r>
             <a:r>
               <a:rPr lang="en-US" sz="1900" dirty="0" smtClean="0">
@@ -15590,7 +15583,7 @@
                 <a:latin typeface="Times New Roman" pitchFamily="18" charset="0"/>
                 <a:cs typeface="Times New Roman" pitchFamily="18" charset="0"/>
               </a:rPr>
-              <a:t>pengujian</a:t>
+              <a:t>sebanyak</a:t>
             </a:r>
             <a:r>
               <a:rPr lang="en-US" sz="1900" dirty="0" smtClean="0">
@@ -15600,7 +15593,7 @@
                 <a:latin typeface="Times New Roman" pitchFamily="18" charset="0"/>
                 <a:cs typeface="Times New Roman" pitchFamily="18" charset="0"/>
               </a:rPr>
-              <a:t> </a:t>
+              <a:t> 10 kali </a:t>
             </a:r>
             <a:r>
               <a:rPr lang="en-US" sz="1900" dirty="0" err="1" smtClean="0">
@@ -15610,7 +15603,7 @@
                 <a:latin typeface="Times New Roman" pitchFamily="18" charset="0"/>
                 <a:cs typeface="Times New Roman" pitchFamily="18" charset="0"/>
               </a:rPr>
-              <a:t>sebanyak</a:t>
+              <a:t>tanpa</a:t>
             </a:r>
             <a:r>
               <a:rPr lang="en-US" sz="1900" dirty="0" smtClean="0">
@@ -15620,49 +15613,49 @@
                 <a:latin typeface="Times New Roman" pitchFamily="18" charset="0"/>
                 <a:cs typeface="Times New Roman" pitchFamily="18" charset="0"/>
               </a:rPr>
-              <a:t> 10 </a:t>
-            </a:r>
-            <a:r>
-              <a:rPr lang="en-US" sz="1900" dirty="0" smtClean="0">
+              <a:t> </a:t>
+            </a:r>
+            <a:r>
+              <a:rPr lang="en-US" sz="1900" dirty="0" err="1" smtClean="0">
                 <a:solidFill>
                   <a:schemeClr val="tx1"/>
                 </a:solidFill>
                 <a:latin typeface="Times New Roman" pitchFamily="18" charset="0"/>
                 <a:cs typeface="Times New Roman" pitchFamily="18" charset="0"/>
               </a:rPr>
-              <a:t>kali </a:t>
-            </a:r>
-            <a:r>
-              <a:rPr lang="en-US" sz="1900" dirty="0" err="1" smtClean="0">
+              <a:t>melawan</a:t>
+            </a:r>
+            <a:r>
+              <a:rPr lang="en-US" sz="1900" dirty="0" smtClean="0">
                 <a:solidFill>
                   <a:schemeClr val="tx1"/>
                 </a:solidFill>
                 <a:latin typeface="Times New Roman" pitchFamily="18" charset="0"/>
                 <a:cs typeface="Times New Roman" pitchFamily="18" charset="0"/>
               </a:rPr>
-              <a:t>tanpa</a:t>
-            </a:r>
-            <a:r>
-              <a:rPr lang="en-US" sz="1900" dirty="0" smtClean="0">
+              <a:t> </a:t>
+            </a:r>
+            <a:r>
+              <a:rPr lang="en-US" sz="1900" i="1" dirty="0" err="1" smtClean="0">
                 <a:solidFill>
                   <a:schemeClr val="tx1"/>
                 </a:solidFill>
                 <a:latin typeface="Times New Roman" pitchFamily="18" charset="0"/>
                 <a:cs typeface="Times New Roman" pitchFamily="18" charset="0"/>
               </a:rPr>
-              <a:t> </a:t>
-            </a:r>
-            <a:r>
-              <a:rPr lang="en-US" sz="1900" dirty="0" err="1" smtClean="0">
+              <a:t>bot</a:t>
+            </a:r>
+            <a:r>
+              <a:rPr lang="en-US" sz="1900" dirty="0" smtClean="0">
                 <a:solidFill>
                   <a:schemeClr val="tx1"/>
                 </a:solidFill>
                 <a:latin typeface="Times New Roman" pitchFamily="18" charset="0"/>
                 <a:cs typeface="Times New Roman" pitchFamily="18" charset="0"/>
               </a:rPr>
-              <a:t>melawan</a:t>
-            </a:r>
-            <a:r>
+              <a:t> lain.</a:t>
+            </a:r>
+            <a:br>
               <a:rPr lang="en-US" sz="1900" dirty="0" smtClean="0">
                 <a:solidFill>
                   <a:schemeClr val="tx1"/>
@@ -15670,29 +15663,28 @@
                 <a:latin typeface="Times New Roman" pitchFamily="18" charset="0"/>
                 <a:cs typeface="Times New Roman" pitchFamily="18" charset="0"/>
               </a:rPr>
-              <a:t> </a:t>
-            </a:r>
-            <a:r>
-              <a:rPr lang="en-US" sz="1900" i="1" dirty="0" err="1" smtClean="0">
+            </a:br>
+            <a:r>
+              <a:rPr lang="en-US" sz="1900" dirty="0" smtClean="0">
                 <a:solidFill>
                   <a:schemeClr val="tx1"/>
                 </a:solidFill>
                 <a:latin typeface="Times New Roman" pitchFamily="18" charset="0"/>
                 <a:cs typeface="Times New Roman" pitchFamily="18" charset="0"/>
               </a:rPr>
-              <a:t>bot</a:t>
-            </a:r>
-            <a:r>
-              <a:rPr lang="en-US" sz="1900" dirty="0" smtClean="0">
+              <a:t> (total 300 </a:t>
+            </a:r>
+            <a:r>
+              <a:rPr lang="en-US" sz="1900" dirty="0" err="1" smtClean="0">
                 <a:solidFill>
                   <a:schemeClr val="tx1"/>
                 </a:solidFill>
                 <a:latin typeface="Times New Roman" pitchFamily="18" charset="0"/>
                 <a:cs typeface="Times New Roman" pitchFamily="18" charset="0"/>
               </a:rPr>
-              <a:t> lain.</a:t>
-            </a:r>
-            <a:br>
+              <a:t>pembelajaran</a:t>
+            </a:r>
+            <a:r>
               <a:rPr lang="en-US" sz="1900" dirty="0" smtClean="0">
                 <a:solidFill>
                   <a:schemeClr val="tx1"/>
@@ -15700,16 +15692,20 @@
                 <a:latin typeface="Times New Roman" pitchFamily="18" charset="0"/>
                 <a:cs typeface="Times New Roman" pitchFamily="18" charset="0"/>
               </a:rPr>
-            </a:br>
-            <a:r>
-              <a:rPr lang="en-US" sz="1900" dirty="0" smtClean="0">
+              <a:t>)</a:t>
+            </a:r>
+          </a:p>
+          <a:p>
+            <a:pPr lvl="1"/>
+            <a:r>
+              <a:rPr lang="en-US" sz="1900" dirty="0" err="1" smtClean="0">
                 <a:solidFill>
                   <a:schemeClr val="tx1"/>
                 </a:solidFill>
                 <a:latin typeface="Times New Roman" pitchFamily="18" charset="0"/>
                 <a:cs typeface="Times New Roman" pitchFamily="18" charset="0"/>
               </a:rPr>
-              <a:t> (total </a:t>
+              <a:t>Pengujian</a:t>
             </a:r>
             <a:r>
               <a:rPr lang="en-US" sz="1900" dirty="0" smtClean="0">
@@ -15719,7 +15715,7 @@
                 <a:latin typeface="Times New Roman" pitchFamily="18" charset="0"/>
                 <a:cs typeface="Times New Roman" pitchFamily="18" charset="0"/>
               </a:rPr>
-              <a:t>300 </a:t>
+              <a:t> </a:t>
             </a:r>
             <a:r>
               <a:rPr lang="en-US" sz="1900" dirty="0" err="1" smtClean="0">
@@ -15729,7 +15725,7 @@
                 <a:latin typeface="Times New Roman" pitchFamily="18" charset="0"/>
                 <a:cs typeface="Times New Roman" pitchFamily="18" charset="0"/>
               </a:rPr>
-              <a:t>pembelajaran</a:t>
+              <a:t>Ketiga</a:t>
             </a:r>
             <a:r>
               <a:rPr lang="en-US" sz="1900" dirty="0" smtClean="0">
@@ -15739,18 +15735,11 @@
                 <a:latin typeface="Times New Roman" pitchFamily="18" charset="0"/>
                 <a:cs typeface="Times New Roman" pitchFamily="18" charset="0"/>
               </a:rPr>
-              <a:t>)</a:t>
-            </a:r>
-            <a:endParaRPr lang="en-US" sz="1900" dirty="0" smtClean="0">
-              <a:solidFill>
-                <a:schemeClr val="tx1"/>
-              </a:solidFill>
-              <a:latin typeface="Times New Roman" pitchFamily="18" charset="0"/>
-              <a:cs typeface="Times New Roman" pitchFamily="18" charset="0"/>
-            </a:endParaRPr>
-          </a:p>
-          <a:p>
-            <a:pPr lvl="1"/>
+              <a:t>,</a:t>
+            </a:r>
+          </a:p>
+          <a:p>
+            <a:pPr lvl="2"/>
             <a:r>
               <a:rPr lang="en-US" sz="1900" dirty="0" err="1" smtClean="0">
                 <a:solidFill>
@@ -15759,7 +15748,7 @@
                 <a:latin typeface="Times New Roman" pitchFamily="18" charset="0"/>
                 <a:cs typeface="Times New Roman" pitchFamily="18" charset="0"/>
               </a:rPr>
-              <a:t>Pengujian</a:t>
+              <a:t>Belajar</a:t>
             </a:r>
             <a:r>
               <a:rPr lang="en-US" sz="1900" dirty="0" smtClean="0">
@@ -15779,7 +15768,7 @@
                 <a:latin typeface="Times New Roman" pitchFamily="18" charset="0"/>
                 <a:cs typeface="Times New Roman" pitchFamily="18" charset="0"/>
               </a:rPr>
-              <a:t>Ketiga</a:t>
+              <a:t>sebanyak</a:t>
             </a:r>
             <a:r>
               <a:rPr lang="en-US" sz="1900" dirty="0" smtClean="0">
@@ -15789,11 +15778,8 @@
                 <a:latin typeface="Times New Roman" pitchFamily="18" charset="0"/>
                 <a:cs typeface="Times New Roman" pitchFamily="18" charset="0"/>
               </a:rPr>
-              <a:t>,</a:t>
-            </a:r>
-          </a:p>
-          <a:p>
-            <a:pPr lvl="2"/>
+              <a:t> 100 kali </a:t>
+            </a:r>
             <a:r>
               <a:rPr lang="en-US" sz="1900" dirty="0" err="1" smtClean="0">
                 <a:solidFill>
@@ -15802,7 +15788,7 @@
                 <a:latin typeface="Times New Roman" pitchFamily="18" charset="0"/>
                 <a:cs typeface="Times New Roman" pitchFamily="18" charset="0"/>
               </a:rPr>
-              <a:t>Belajar</a:t>
+              <a:t>menembak</a:t>
             </a:r>
             <a:r>
               <a:rPr lang="en-US" sz="1900" dirty="0" smtClean="0">
@@ -15822,7 +15808,7 @@
                 <a:latin typeface="Times New Roman" pitchFamily="18" charset="0"/>
                 <a:cs typeface="Times New Roman" pitchFamily="18" charset="0"/>
               </a:rPr>
-              <a:t>sebanyak</a:t>
+              <a:t>tanpa</a:t>
             </a:r>
             <a:r>
               <a:rPr lang="en-US" sz="1900" dirty="0" smtClean="0">
@@ -15832,7 +15818,7 @@
                 <a:latin typeface="Times New Roman" pitchFamily="18" charset="0"/>
                 <a:cs typeface="Times New Roman" pitchFamily="18" charset="0"/>
               </a:rPr>
-              <a:t> 100 kali </a:t>
+              <a:t> </a:t>
             </a:r>
             <a:r>
               <a:rPr lang="en-US" sz="1900" dirty="0" err="1" smtClean="0">
@@ -15842,7 +15828,7 @@
                 <a:latin typeface="Times New Roman" pitchFamily="18" charset="0"/>
                 <a:cs typeface="Times New Roman" pitchFamily="18" charset="0"/>
               </a:rPr>
-              <a:t>menembak</a:t>
+              <a:t>melawan</a:t>
             </a:r>
             <a:r>
               <a:rPr lang="en-US" sz="1900" dirty="0" smtClean="0">
@@ -15855,14 +15841,14 @@
               <a:t> </a:t>
             </a:r>
             <a:r>
-              <a:rPr lang="en-US" sz="1900" dirty="0" err="1" smtClean="0">
+              <a:rPr lang="en-US" sz="1900" i="1" dirty="0" smtClean="0">
                 <a:solidFill>
                   <a:schemeClr val="tx1"/>
                 </a:solidFill>
                 <a:latin typeface="Times New Roman" pitchFamily="18" charset="0"/>
                 <a:cs typeface="Times New Roman" pitchFamily="18" charset="0"/>
               </a:rPr>
-              <a:t>tanpa</a:t>
+              <a:t>bot</a:t>
             </a:r>
             <a:r>
               <a:rPr lang="en-US" sz="1900" dirty="0" smtClean="0">
@@ -15872,7 +15858,7 @@
                 <a:latin typeface="Times New Roman" pitchFamily="18" charset="0"/>
                 <a:cs typeface="Times New Roman" pitchFamily="18" charset="0"/>
               </a:rPr>
-              <a:t> </a:t>
+              <a:t>. </a:t>
             </a:r>
             <a:r>
               <a:rPr lang="en-US" sz="1900" dirty="0" err="1" smtClean="0">
@@ -15882,7 +15868,7 @@
                 <a:latin typeface="Times New Roman" pitchFamily="18" charset="0"/>
                 <a:cs typeface="Times New Roman" pitchFamily="18" charset="0"/>
               </a:rPr>
-              <a:t>melawan</a:t>
+              <a:t>Lalu</a:t>
             </a:r>
             <a:r>
               <a:rPr lang="en-US" sz="1900" dirty="0" smtClean="0">
@@ -15895,14 +15881,14 @@
               <a:t> </a:t>
             </a:r>
             <a:r>
-              <a:rPr lang="en-US" sz="1900" i="1" dirty="0" smtClean="0">
+              <a:rPr lang="en-US" sz="1900" dirty="0" err="1" smtClean="0">
                 <a:solidFill>
                   <a:schemeClr val="tx1"/>
                 </a:solidFill>
                 <a:latin typeface="Times New Roman" pitchFamily="18" charset="0"/>
                 <a:cs typeface="Times New Roman" pitchFamily="18" charset="0"/>
               </a:rPr>
-              <a:t>bot</a:t>
+              <a:t>Melakukan</a:t>
             </a:r>
             <a:r>
               <a:rPr lang="en-US" sz="1900" dirty="0" smtClean="0">
@@ -15912,7 +15898,7 @@
                 <a:latin typeface="Times New Roman" pitchFamily="18" charset="0"/>
                 <a:cs typeface="Times New Roman" pitchFamily="18" charset="0"/>
               </a:rPr>
-              <a:t>. </a:t>
+              <a:t> </a:t>
             </a:r>
             <a:r>
               <a:rPr lang="en-US" sz="1900" dirty="0" err="1" smtClean="0">
@@ -15922,7 +15908,7 @@
                 <a:latin typeface="Times New Roman" pitchFamily="18" charset="0"/>
                 <a:cs typeface="Times New Roman" pitchFamily="18" charset="0"/>
               </a:rPr>
-              <a:t>Lalu</a:t>
+              <a:t>pengujian</a:t>
             </a:r>
             <a:r>
               <a:rPr lang="en-US" sz="1900" dirty="0" smtClean="0">
@@ -15942,7 +15928,7 @@
                 <a:latin typeface="Times New Roman" pitchFamily="18" charset="0"/>
                 <a:cs typeface="Times New Roman" pitchFamily="18" charset="0"/>
               </a:rPr>
-              <a:t>Melakukan</a:t>
+              <a:t>sebanyak</a:t>
             </a:r>
             <a:r>
               <a:rPr lang="en-US" sz="1900" dirty="0" smtClean="0">
@@ -15952,7 +15938,7 @@
                 <a:latin typeface="Times New Roman" pitchFamily="18" charset="0"/>
                 <a:cs typeface="Times New Roman" pitchFamily="18" charset="0"/>
               </a:rPr>
-              <a:t> </a:t>
+              <a:t> 10 kali </a:t>
             </a:r>
             <a:r>
               <a:rPr lang="en-US" sz="1900" dirty="0" err="1" smtClean="0">
@@ -15962,7 +15948,7 @@
                 <a:latin typeface="Times New Roman" pitchFamily="18" charset="0"/>
                 <a:cs typeface="Times New Roman" pitchFamily="18" charset="0"/>
               </a:rPr>
-              <a:t>pengujian</a:t>
+              <a:t>tanpa</a:t>
             </a:r>
             <a:r>
               <a:rPr lang="en-US" sz="1900" dirty="0" smtClean="0">
@@ -15982,7 +15968,7 @@
                 <a:latin typeface="Times New Roman" pitchFamily="18" charset="0"/>
                 <a:cs typeface="Times New Roman" pitchFamily="18" charset="0"/>
               </a:rPr>
-              <a:t>sebanyak</a:t>
+              <a:t>melawan</a:t>
             </a:r>
             <a:r>
               <a:rPr lang="en-US" sz="1900" dirty="0" smtClean="0">
@@ -15992,17 +15978,17 @@
                 <a:latin typeface="Times New Roman" pitchFamily="18" charset="0"/>
                 <a:cs typeface="Times New Roman" pitchFamily="18" charset="0"/>
               </a:rPr>
-              <a:t> 10 kali </a:t>
-            </a:r>
-            <a:r>
-              <a:rPr lang="en-US" sz="1900" dirty="0" err="1" smtClean="0">
+              <a:t> </a:t>
+            </a:r>
+            <a:r>
+              <a:rPr lang="en-US" sz="1900" i="1" dirty="0" err="1" smtClean="0">
                 <a:solidFill>
                   <a:schemeClr val="tx1"/>
                 </a:solidFill>
                 <a:latin typeface="Times New Roman" pitchFamily="18" charset="0"/>
                 <a:cs typeface="Times New Roman" pitchFamily="18" charset="0"/>
               </a:rPr>
-              <a:t>tanpa</a:t>
+              <a:t>bot</a:t>
             </a:r>
             <a:r>
               <a:rPr lang="en-US" sz="1900" dirty="0" smtClean="0">
@@ -16012,47 +15998,53 @@
                 <a:latin typeface="Times New Roman" pitchFamily="18" charset="0"/>
                 <a:cs typeface="Times New Roman" pitchFamily="18" charset="0"/>
               </a:rPr>
-              <a:t> </a:t>
-            </a:r>
-            <a:r>
-              <a:rPr lang="en-US" sz="1900" dirty="0" err="1" smtClean="0">
+              <a:t> lain.</a:t>
+            </a:r>
+          </a:p>
+          <a:p>
+            <a:pPr lvl="2"/>
+            <a:r>
+              <a:rPr lang="en-US" sz="1900" dirty="0" smtClean="0">
                 <a:solidFill>
                   <a:schemeClr val="tx1"/>
                 </a:solidFill>
                 <a:latin typeface="Times New Roman" pitchFamily="18" charset="0"/>
                 <a:cs typeface="Times New Roman" pitchFamily="18" charset="0"/>
               </a:rPr>
-              <a:t>melawan</a:t>
-            </a:r>
-            <a:r>
-              <a:rPr lang="en-US" sz="1900" dirty="0" smtClean="0">
+              <a:t>(total 400 </a:t>
+            </a:r>
+            <a:r>
+              <a:rPr lang="en-US" sz="1900" dirty="0" err="1" smtClean="0">
                 <a:solidFill>
                   <a:schemeClr val="tx1"/>
                 </a:solidFill>
                 <a:latin typeface="Times New Roman" pitchFamily="18" charset="0"/>
                 <a:cs typeface="Times New Roman" pitchFamily="18" charset="0"/>
               </a:rPr>
-              <a:t> </a:t>
-            </a:r>
-            <a:r>
-              <a:rPr lang="en-US" sz="1900" i="1" dirty="0" err="1" smtClean="0">
+              <a:t>pembelajaran</a:t>
+            </a:r>
+            <a:r>
+              <a:rPr lang="en-US" sz="1900" dirty="0" smtClean="0">
                 <a:solidFill>
                   <a:schemeClr val="tx1"/>
                 </a:solidFill>
                 <a:latin typeface="Times New Roman" pitchFamily="18" charset="0"/>
                 <a:cs typeface="Times New Roman" pitchFamily="18" charset="0"/>
               </a:rPr>
-              <a:t>bot</a:t>
-            </a:r>
-            <a:r>
-              <a:rPr lang="en-US" sz="1900" dirty="0" smtClean="0">
+              <a:t>)</a:t>
+            </a:r>
+          </a:p>
+          <a:p>
+            <a:pPr lvl="1"/>
+            <a:r>
+              <a:rPr lang="en-US" sz="1900" dirty="0" err="1" smtClean="0">
                 <a:solidFill>
                   <a:schemeClr val="tx1"/>
                 </a:solidFill>
                 <a:latin typeface="Times New Roman" pitchFamily="18" charset="0"/>
                 <a:cs typeface="Times New Roman" pitchFamily="18" charset="0"/>
               </a:rPr>
-              <a:t> lain</a:t>
+              <a:t>Pengujian</a:t>
             </a:r>
             <a:r>
               <a:rPr lang="en-US" sz="1900" dirty="0" smtClean="0">
@@ -16062,20 +16054,17 @@
                 <a:latin typeface="Times New Roman" pitchFamily="18" charset="0"/>
                 <a:cs typeface="Times New Roman" pitchFamily="18" charset="0"/>
               </a:rPr>
-              <a:t>.</a:t>
-            </a:r>
-          </a:p>
-          <a:p>
-            <a:pPr lvl="2"/>
-            <a:r>
-              <a:rPr lang="en-US" sz="1900" dirty="0" smtClean="0">
+              <a:t> </a:t>
+            </a:r>
+            <a:r>
+              <a:rPr lang="en-US" sz="1900" dirty="0" err="1" smtClean="0">
                 <a:solidFill>
                   <a:schemeClr val="tx1"/>
                 </a:solidFill>
                 <a:latin typeface="Times New Roman" pitchFamily="18" charset="0"/>
                 <a:cs typeface="Times New Roman" pitchFamily="18" charset="0"/>
               </a:rPr>
-              <a:t>(total 4</a:t>
+              <a:t>Keempat</a:t>
             </a:r>
             <a:r>
               <a:rPr lang="en-US" sz="1900" dirty="0" smtClean="0">
@@ -16085,8 +16074,11 @@
                 <a:latin typeface="Times New Roman" pitchFamily="18" charset="0"/>
                 <a:cs typeface="Times New Roman" pitchFamily="18" charset="0"/>
               </a:rPr>
-              <a:t>00 </a:t>
-            </a:r>
+              <a:t>,</a:t>
+            </a:r>
+          </a:p>
+          <a:p>
+            <a:pPr lvl="2"/>
             <a:r>
               <a:rPr lang="en-US" sz="1900" dirty="0" err="1" smtClean="0">
                 <a:solidFill>
@@ -16095,7 +16087,7 @@
                 <a:latin typeface="Times New Roman" pitchFamily="18" charset="0"/>
                 <a:cs typeface="Times New Roman" pitchFamily="18" charset="0"/>
               </a:rPr>
-              <a:t>pembelajaran</a:t>
+              <a:t>Belajar</a:t>
             </a:r>
             <a:r>
               <a:rPr lang="en-US" sz="1900" dirty="0" smtClean="0">
@@ -16105,18 +16097,8 @@
                 <a:latin typeface="Times New Roman" pitchFamily="18" charset="0"/>
                 <a:cs typeface="Times New Roman" pitchFamily="18" charset="0"/>
               </a:rPr>
-              <a:t>)</a:t>
-            </a:r>
-            <a:endParaRPr lang="en-US" sz="1900" dirty="0" smtClean="0">
-              <a:solidFill>
-                <a:schemeClr val="tx1"/>
-              </a:solidFill>
-              <a:latin typeface="Times New Roman" pitchFamily="18" charset="0"/>
-              <a:cs typeface="Times New Roman" pitchFamily="18" charset="0"/>
-            </a:endParaRPr>
-          </a:p>
-          <a:p>
-            <a:pPr lvl="1"/>
+              <a:t> </a:t>
+            </a:r>
             <a:r>
               <a:rPr lang="en-US" sz="1900" dirty="0" err="1" smtClean="0">
                 <a:solidFill>
@@ -16125,7 +16107,7 @@
                 <a:latin typeface="Times New Roman" pitchFamily="18" charset="0"/>
                 <a:cs typeface="Times New Roman" pitchFamily="18" charset="0"/>
               </a:rPr>
-              <a:t>Pengujian</a:t>
+              <a:t>sebanyak</a:t>
             </a:r>
             <a:r>
               <a:rPr lang="en-US" sz="1900" dirty="0" smtClean="0">
@@ -16135,7 +16117,7 @@
                 <a:latin typeface="Times New Roman" pitchFamily="18" charset="0"/>
                 <a:cs typeface="Times New Roman" pitchFamily="18" charset="0"/>
               </a:rPr>
-              <a:t> </a:t>
+              <a:t> 400 kali </a:t>
             </a:r>
             <a:r>
               <a:rPr lang="en-US" sz="1900" dirty="0" err="1" smtClean="0">
@@ -16145,7 +16127,7 @@
                 <a:latin typeface="Times New Roman" pitchFamily="18" charset="0"/>
                 <a:cs typeface="Times New Roman" pitchFamily="18" charset="0"/>
               </a:rPr>
-              <a:t>Keempat</a:t>
+              <a:t>menembak</a:t>
             </a:r>
             <a:r>
               <a:rPr lang="en-US" sz="1900" dirty="0" smtClean="0">
@@ -16155,11 +16137,8 @@
                 <a:latin typeface="Times New Roman" pitchFamily="18" charset="0"/>
                 <a:cs typeface="Times New Roman" pitchFamily="18" charset="0"/>
               </a:rPr>
-              <a:t>,</a:t>
-            </a:r>
-          </a:p>
-          <a:p>
-            <a:pPr lvl="2"/>
+              <a:t> </a:t>
+            </a:r>
             <a:r>
               <a:rPr lang="en-US" sz="1900" dirty="0" err="1" smtClean="0">
                 <a:solidFill>
@@ -16168,7 +16147,7 @@
                 <a:latin typeface="Times New Roman" pitchFamily="18" charset="0"/>
                 <a:cs typeface="Times New Roman" pitchFamily="18" charset="0"/>
               </a:rPr>
-              <a:t>Belajar</a:t>
+              <a:t>melawan</a:t>
             </a:r>
             <a:r>
               <a:rPr lang="en-US" sz="1900" dirty="0" smtClean="0">
@@ -16181,14 +16160,14 @@
               <a:t> </a:t>
             </a:r>
             <a:r>
-              <a:rPr lang="en-US" sz="1900" dirty="0" err="1" smtClean="0">
+              <a:rPr lang="en-US" sz="1900" i="1" dirty="0" smtClean="0">
                 <a:solidFill>
                   <a:schemeClr val="tx1"/>
                 </a:solidFill>
                 <a:latin typeface="Times New Roman" pitchFamily="18" charset="0"/>
                 <a:cs typeface="Times New Roman" pitchFamily="18" charset="0"/>
               </a:rPr>
-              <a:t>sebanyak</a:t>
+              <a:t>bot</a:t>
             </a:r>
             <a:r>
               <a:rPr lang="en-US" sz="1900" dirty="0" smtClean="0">
@@ -16198,17 +16177,17 @@
                 <a:latin typeface="Times New Roman" pitchFamily="18" charset="0"/>
                 <a:cs typeface="Times New Roman" pitchFamily="18" charset="0"/>
               </a:rPr>
-              <a:t> </a:t>
-            </a:r>
-            <a:r>
-              <a:rPr lang="en-US" sz="1900" dirty="0" smtClean="0">
+              <a:t>. </a:t>
+            </a:r>
+            <a:r>
+              <a:rPr lang="en-US" sz="1900" dirty="0" err="1" smtClean="0">
                 <a:solidFill>
                   <a:schemeClr val="tx1"/>
                 </a:solidFill>
                 <a:latin typeface="Times New Roman" pitchFamily="18" charset="0"/>
                 <a:cs typeface="Times New Roman" pitchFamily="18" charset="0"/>
               </a:rPr>
-              <a:t>400 </a:t>
+              <a:t>Lalu</a:t>
             </a:r>
             <a:r>
               <a:rPr lang="en-US" sz="1900" dirty="0" smtClean="0">
@@ -16218,7 +16197,7 @@
                 <a:latin typeface="Times New Roman" pitchFamily="18" charset="0"/>
                 <a:cs typeface="Times New Roman" pitchFamily="18" charset="0"/>
               </a:rPr>
-              <a:t>kali </a:t>
+              <a:t> </a:t>
             </a:r>
             <a:r>
               <a:rPr lang="en-US" sz="1900" dirty="0" err="1" smtClean="0">
@@ -16228,7 +16207,7 @@
                 <a:latin typeface="Times New Roman" pitchFamily="18" charset="0"/>
                 <a:cs typeface="Times New Roman" pitchFamily="18" charset="0"/>
               </a:rPr>
-              <a:t>menembak</a:t>
+              <a:t>Melakukan</a:t>
             </a:r>
             <a:r>
               <a:rPr lang="en-US" sz="1900" dirty="0" smtClean="0">
@@ -16248,7 +16227,7 @@
                 <a:latin typeface="Times New Roman" pitchFamily="18" charset="0"/>
                 <a:cs typeface="Times New Roman" pitchFamily="18" charset="0"/>
               </a:rPr>
-              <a:t>melawan</a:t>
+              <a:t>pengujian</a:t>
             </a:r>
             <a:r>
               <a:rPr lang="en-US" sz="1900" dirty="0" smtClean="0">
@@ -16261,14 +16240,14 @@
               <a:t> </a:t>
             </a:r>
             <a:r>
-              <a:rPr lang="en-US" sz="1900" i="1" dirty="0" smtClean="0">
+              <a:rPr lang="en-US" sz="1900" dirty="0" err="1" smtClean="0">
                 <a:solidFill>
                   <a:schemeClr val="tx1"/>
                 </a:solidFill>
                 <a:latin typeface="Times New Roman" pitchFamily="18" charset="0"/>
                 <a:cs typeface="Times New Roman" pitchFamily="18" charset="0"/>
               </a:rPr>
-              <a:t>bot</a:t>
+              <a:t>sebanyak</a:t>
             </a:r>
             <a:r>
               <a:rPr lang="en-US" sz="1900" dirty="0" smtClean="0">
@@ -16278,7 +16257,7 @@
                 <a:latin typeface="Times New Roman" pitchFamily="18" charset="0"/>
                 <a:cs typeface="Times New Roman" pitchFamily="18" charset="0"/>
               </a:rPr>
-              <a:t>. </a:t>
+              <a:t> 10 kali </a:t>
             </a:r>
             <a:r>
               <a:rPr lang="en-US" sz="1900" dirty="0" err="1" smtClean="0">
@@ -16288,7 +16267,7 @@
                 <a:latin typeface="Times New Roman" pitchFamily="18" charset="0"/>
                 <a:cs typeface="Times New Roman" pitchFamily="18" charset="0"/>
               </a:rPr>
-              <a:t>Lalu</a:t>
+              <a:t>melawan</a:t>
             </a:r>
             <a:r>
               <a:rPr lang="en-US" sz="1900" dirty="0" smtClean="0">
@@ -16301,14 +16280,14 @@
               <a:t> </a:t>
             </a:r>
             <a:r>
-              <a:rPr lang="en-US" sz="1900" dirty="0" err="1" smtClean="0">
+              <a:rPr lang="en-US" sz="1900" i="1" dirty="0" err="1" smtClean="0">
                 <a:solidFill>
                   <a:schemeClr val="tx1"/>
                 </a:solidFill>
                 <a:latin typeface="Times New Roman" pitchFamily="18" charset="0"/>
                 <a:cs typeface="Times New Roman" pitchFamily="18" charset="0"/>
               </a:rPr>
-              <a:t>Melakukan</a:t>
+              <a:t>bot</a:t>
             </a:r>
             <a:r>
               <a:rPr lang="en-US" sz="1900" dirty="0" smtClean="0">
@@ -16318,130 +16297,20 @@
                 <a:latin typeface="Times New Roman" pitchFamily="18" charset="0"/>
                 <a:cs typeface="Times New Roman" pitchFamily="18" charset="0"/>
               </a:rPr>
-              <a:t> </a:t>
-            </a:r>
-            <a:r>
-              <a:rPr lang="en-US" sz="1900" dirty="0" err="1" smtClean="0">
+              <a:t> lain.</a:t>
+            </a:r>
+          </a:p>
+          <a:p>
+            <a:pPr lvl="2"/>
+            <a:r>
+              <a:rPr lang="en-US" sz="1900" dirty="0" smtClean="0">
                 <a:solidFill>
                   <a:schemeClr val="tx1"/>
                 </a:solidFill>
                 <a:latin typeface="Times New Roman" pitchFamily="18" charset="0"/>
                 <a:cs typeface="Times New Roman" pitchFamily="18" charset="0"/>
               </a:rPr>
-              <a:t>pengujian</a:t>
-            </a:r>
-            <a:r>
-              <a:rPr lang="en-US" sz="1900" dirty="0" smtClean="0">
-                <a:solidFill>
-                  <a:schemeClr val="tx1"/>
-                </a:solidFill>
-                <a:latin typeface="Times New Roman" pitchFamily="18" charset="0"/>
-                <a:cs typeface="Times New Roman" pitchFamily="18" charset="0"/>
-              </a:rPr>
-              <a:t> </a:t>
-            </a:r>
-            <a:r>
-              <a:rPr lang="en-US" sz="1900" dirty="0" err="1" smtClean="0">
-                <a:solidFill>
-                  <a:schemeClr val="tx1"/>
-                </a:solidFill>
-                <a:latin typeface="Times New Roman" pitchFamily="18" charset="0"/>
-                <a:cs typeface="Times New Roman" pitchFamily="18" charset="0"/>
-              </a:rPr>
-              <a:t>sebanyak</a:t>
-            </a:r>
-            <a:r>
-              <a:rPr lang="en-US" sz="1900" dirty="0" smtClean="0">
-                <a:solidFill>
-                  <a:schemeClr val="tx1"/>
-                </a:solidFill>
-                <a:latin typeface="Times New Roman" pitchFamily="18" charset="0"/>
-                <a:cs typeface="Times New Roman" pitchFamily="18" charset="0"/>
-              </a:rPr>
-              <a:t> 10 </a:t>
-            </a:r>
-            <a:r>
-              <a:rPr lang="en-US" sz="1900" dirty="0" smtClean="0">
-                <a:solidFill>
-                  <a:schemeClr val="tx1"/>
-                </a:solidFill>
-                <a:latin typeface="Times New Roman" pitchFamily="18" charset="0"/>
-                <a:cs typeface="Times New Roman" pitchFamily="18" charset="0"/>
-              </a:rPr>
-              <a:t>kali </a:t>
-            </a:r>
-            <a:r>
-              <a:rPr lang="en-US" sz="1900" dirty="0" err="1" smtClean="0">
-                <a:solidFill>
-                  <a:schemeClr val="tx1"/>
-                </a:solidFill>
-                <a:latin typeface="Times New Roman" pitchFamily="18" charset="0"/>
-                <a:cs typeface="Times New Roman" pitchFamily="18" charset="0"/>
-              </a:rPr>
-              <a:t>melawan</a:t>
-            </a:r>
-            <a:r>
-              <a:rPr lang="en-US" sz="1900" dirty="0" smtClean="0">
-                <a:solidFill>
-                  <a:schemeClr val="tx1"/>
-                </a:solidFill>
-                <a:latin typeface="Times New Roman" pitchFamily="18" charset="0"/>
-                <a:cs typeface="Times New Roman" pitchFamily="18" charset="0"/>
-              </a:rPr>
-              <a:t> </a:t>
-            </a:r>
-            <a:r>
-              <a:rPr lang="en-US" sz="1900" i="1" dirty="0" err="1" smtClean="0">
-                <a:solidFill>
-                  <a:schemeClr val="tx1"/>
-                </a:solidFill>
-                <a:latin typeface="Times New Roman" pitchFamily="18" charset="0"/>
-                <a:cs typeface="Times New Roman" pitchFamily="18" charset="0"/>
-              </a:rPr>
-              <a:t>bot</a:t>
-            </a:r>
-            <a:r>
-              <a:rPr lang="en-US" sz="1900" dirty="0" smtClean="0">
-                <a:solidFill>
-                  <a:schemeClr val="tx1"/>
-                </a:solidFill>
-                <a:latin typeface="Times New Roman" pitchFamily="18" charset="0"/>
-                <a:cs typeface="Times New Roman" pitchFamily="18" charset="0"/>
-              </a:rPr>
-              <a:t> lain</a:t>
-            </a:r>
-            <a:r>
-              <a:rPr lang="en-US" sz="1900" dirty="0" smtClean="0">
-                <a:solidFill>
-                  <a:schemeClr val="tx1"/>
-                </a:solidFill>
-                <a:latin typeface="Times New Roman" pitchFamily="18" charset="0"/>
-                <a:cs typeface="Times New Roman" pitchFamily="18" charset="0"/>
-              </a:rPr>
-              <a:t>.</a:t>
-            </a:r>
-          </a:p>
-          <a:p>
-            <a:pPr lvl="2"/>
-            <a:r>
-              <a:rPr lang="en-US" sz="1900" dirty="0" smtClean="0">
-                <a:solidFill>
-                  <a:schemeClr val="tx1"/>
-                </a:solidFill>
-                <a:latin typeface="Times New Roman" pitchFamily="18" charset="0"/>
-                <a:cs typeface="Times New Roman" pitchFamily="18" charset="0"/>
-              </a:rPr>
-              <a:t>(total </a:t>
-            </a:r>
-            <a:r>
-              <a:rPr lang="en-US" sz="1900" dirty="0" smtClean="0">
-                <a:solidFill>
-                  <a:schemeClr val="tx1"/>
-                </a:solidFill>
-                <a:latin typeface="Times New Roman" pitchFamily="18" charset="0"/>
-                <a:cs typeface="Times New Roman" pitchFamily="18" charset="0"/>
-              </a:rPr>
-              <a:t>800 </a:t>
+              <a:t>(total 800 </a:t>
             </a:r>
             <a:r>
               <a:rPr lang="en-US" sz="1900" dirty="0" err="1" smtClean="0">
